--- a/PPTX-to-PDF-conversions/Accessible-PDF-document/.NET/Accessible-PDF-document/Data/Template.pptx
+++ b/PPTX-to-PDF-conversions/Accessible-PDF-document/.NET/Accessible-PDF-document/Data/Template.pptx
@@ -5,17 +5,16 @@
     <p:sldMasterId id="2147483648" r:id="rId1"/>
   </p:sldMasterIdLst>
   <p:sldIdLst>
-    <p:sldId id="256" r:id="rId3"/>
-    <p:sldId id="257" r:id="rId2"/>
-    <p:sldId id="261" r:id="rId4"/>
+    <p:sldId id="256" r:id="rId2"/>
+    <p:sldId id="261" r:id="rId3"/>
   </p:sldIdLst>
-  <p:sldSz cx="12192000" cy="6858000" type="custom"/>
+  <p:sldSz cx="12192000" cy="6858000"/>
   <p:notesSz cx="6858000" cy="9144000"/>
   <p:defaultTextStyle>
     <a:defPPr defTabSz="914400">
       <a:defRPr lang="en-US" dirty="0"/>
     </a:defPPr>
-    <a:lvl1pPr marL="0" rtl="0" algn="l" defTabSz="914400">
+    <a:lvl1pPr marL="0" algn="l" defTabSz="914400" rtl="0">
       <a:defRPr sz="1800" kern="1200" dirty="0">
         <a:solidFill>
           <a:schemeClr val="tx1"/>
@@ -25,7 +24,7 @@
         <a:cs typeface="+mn-cs"/>
       </a:defRPr>
     </a:lvl1pPr>
-    <a:lvl2pPr marL="457200" rtl="0" algn="l" defTabSz="914400">
+    <a:lvl2pPr marL="457200" algn="l" defTabSz="914400" rtl="0">
       <a:defRPr sz="1800" kern="1200" dirty="0">
         <a:solidFill>
           <a:schemeClr val="tx1"/>
@@ -35,7 +34,7 @@
         <a:cs typeface="+mn-cs"/>
       </a:defRPr>
     </a:lvl2pPr>
-    <a:lvl3pPr marL="914400" rtl="0" algn="l" defTabSz="914400">
+    <a:lvl3pPr marL="914400" algn="l" defTabSz="914400" rtl="0">
       <a:defRPr sz="1800" kern="1200" dirty="0">
         <a:solidFill>
           <a:schemeClr val="tx1"/>
@@ -45,7 +44,7 @@
         <a:cs typeface="+mn-cs"/>
       </a:defRPr>
     </a:lvl3pPr>
-    <a:lvl4pPr marL="1371600" rtl="0" algn="l" defTabSz="914400">
+    <a:lvl4pPr marL="1371600" algn="l" defTabSz="914400" rtl="0">
       <a:defRPr sz="1800" kern="1200" dirty="0">
         <a:solidFill>
           <a:schemeClr val="tx1"/>
@@ -55,7 +54,7 @@
         <a:cs typeface="+mn-cs"/>
       </a:defRPr>
     </a:lvl4pPr>
-    <a:lvl5pPr marL="1828800" rtl="0" algn="l" defTabSz="914400">
+    <a:lvl5pPr marL="1828800" algn="l" defTabSz="914400" rtl="0">
       <a:defRPr sz="1800" kern="1200" dirty="0">
         <a:solidFill>
           <a:schemeClr val="tx1"/>
@@ -65,7 +64,7 @@
         <a:cs typeface="+mn-cs"/>
       </a:defRPr>
     </a:lvl5pPr>
-    <a:lvl6pPr marL="2286000" rtl="0" algn="l" defTabSz="914400">
+    <a:lvl6pPr marL="2286000" algn="l" defTabSz="914400" rtl="0">
       <a:defRPr sz="1800" kern="1200" dirty="0">
         <a:solidFill>
           <a:schemeClr val="tx1"/>
@@ -75,7 +74,7 @@
         <a:cs typeface="+mn-cs"/>
       </a:defRPr>
     </a:lvl6pPr>
-    <a:lvl7pPr marL="2743200" rtl="0" algn="l" defTabSz="914400">
+    <a:lvl7pPr marL="2743200" algn="l" defTabSz="914400" rtl="0">
       <a:defRPr sz="1800" kern="1200" dirty="0">
         <a:solidFill>
           <a:schemeClr val="tx1"/>
@@ -85,7 +84,7 @@
         <a:cs typeface="+mn-cs"/>
       </a:defRPr>
     </a:lvl7pPr>
-    <a:lvl8pPr marL="3200400" rtl="0" algn="l" defTabSz="914400">
+    <a:lvl8pPr marL="3200400" algn="l" defTabSz="914400" rtl="0">
       <a:defRPr sz="1800" kern="1200" dirty="0">
         <a:solidFill>
           <a:schemeClr val="tx1"/>
@@ -95,7 +94,7 @@
         <a:cs typeface="+mn-cs"/>
       </a:defRPr>
     </a:lvl8pPr>
-    <a:lvl9pPr marL="3657600" rtl="0" algn="l" defTabSz="914400">
+    <a:lvl9pPr marL="3657600" algn="l" defTabSz="914400" rtl="0">
       <a:defRPr sz="1800" kern="1200" dirty="0">
         <a:solidFill>
           <a:schemeClr val="tx1"/>
@@ -106,11 +105,12 @@
       </a:defRPr>
     </a:lvl9pPr>
   </p:defaultTextStyle>
+  <p:extLst>
+    <p:ext uri="{EFAFB233-063F-42B5-8137-9DF3F51BA10A}">
+      <p15:sldGuideLst xmlns:p15="http://schemas.microsoft.com/office/powerpoint/2012/main"/>
+    </p:ext>
+  </p:extLst>
 </p:presentation>
-</file>
-
-<file path=ppt/commentAuthors.xml><?xml version="1.0" encoding="utf-8"?>
-<p:cmAuthorLst xmlns:a="http://schemas.openxmlformats.org/drawingml/2006/main" xmlns:r="http://schemas.openxmlformats.org/officeDocument/2006/relationships" xmlns:p="http://schemas.openxmlformats.org/presentationml/2006/main"/>
 </file>
 
 <file path=ppt/slideLayouts/slideLayout1.xml><?xml version="1.0" encoding="utf-8"?>
@@ -151,14 +151,13 @@
           </a:ln>
         </p:spPr>
         <p:txBody>
-          <a:bodyPr anchor="b" wrap="square"/>
+          <a:bodyPr wrap="square" anchor="b"/>
           <a:lstStyle>
             <a:lvl1pPr algn="ctr">
               <a:defRPr sz="6000" dirty="0"/>
             </a:lvl1pPr>
           </a:lstStyle>
           <a:p>
-            <a:pPr/>
             <a:r>
               <a:rPr lang="en-US" dirty="0"/>
               <a:t>Click to edit Master title style</a:t>
@@ -227,7 +226,6 @@
             </a:lvl9pPr>
           </a:lstStyle>
           <a:p>
-            <a:pPr/>
             <a:r>
               <a:rPr lang="en-US" dirty="0"/>
               <a:t>Click to edit Master subtitle style</a:t>
@@ -255,10 +253,9 @@
           <a:bodyPr wrap="square"/>
           <a:lstStyle/>
           <a:p>
-            <a:pPr/>
             <a:fld id="{5455A7CF-DB6C-4325-93B5-8C3F06D80356}" type="datetimeFigureOut">
               <a:rPr lang="en-US" dirty="0"/>
-              <a:t>25-Nov-22</a:t>
+              <a:t>12/5/2024</a:t>
             </a:fld>
             <a:endParaRPr lang="en-US" dirty="0"/>
           </a:p>
@@ -284,7 +281,6 @@
           <a:bodyPr wrap="square"/>
           <a:lstStyle/>
           <a:p>
-            <a:pPr/>
             <a:endParaRPr lang="en-US" dirty="0"/>
           </a:p>
         </p:txBody>
@@ -309,7 +305,6 @@
           <a:bodyPr wrap="square"/>
           <a:lstStyle/>
           <a:p>
-            <a:pPr/>
             <a:fld id="{24E76E65-7777-4C32-B153-6028045D6BD3}" type="slidenum">
               <a:rPr lang="en-US" dirty="0"/>
               <a:t>‹#›</a:t>
@@ -327,198 +322,6 @@
 </file>
 
 <file path=ppt/slideLayouts/slideLayout10.xml><?xml version="1.0" encoding="utf-8"?>
-<p:sldLayout xmlns:a="http://schemas.openxmlformats.org/drawingml/2006/main" xmlns:r="http://schemas.openxmlformats.org/officeDocument/2006/relationships" xmlns:p="http://schemas.openxmlformats.org/presentationml/2006/main">
-  <p:cSld name="Title and Vertical Text">
-    <p:spTree>
-      <p:nvGrpSpPr>
-        <p:cNvPr id="1" name=""/>
-        <p:cNvGrpSpPr/>
-        <p:nvPr/>
-      </p:nvGrpSpPr>
-      <p:grpSpPr>
-        <a:xfrm>
-          <a:off x="0" y="0"/>
-          <a:ext cx="0" cy="0"/>
-          <a:chOff x="0" y="0"/>
-          <a:chExt cx="0" cy="0"/>
-        </a:xfrm>
-      </p:grpSpPr>
-      <p:sp>
-        <p:nvSpPr>
-          <p:cNvPr id="2" name="Title 1"/>
-          <p:cNvSpPr>
-            <a:spLocks noGrp="1"/>
-          </p:cNvSpPr>
-          <p:nvPr>
-            <p:ph type="title"/>
-          </p:nvPr>
-        </p:nvSpPr>
-        <p:spPr bwMode="white">
-          <a:ln>
-            <a:headEnd type="none"/>
-            <a:tailEnd type="none"/>
-          </a:ln>
-        </p:spPr>
-        <p:txBody>
-          <a:bodyPr wrap="square"/>
-          <a:lstStyle/>
-          <a:p>
-            <a:pPr/>
-            <a:r>
-              <a:rPr lang="en-US" dirty="0"/>
-              <a:t>Click to edit Master title style</a:t>
-            </a:r>
-          </a:p>
-        </p:txBody>
-      </p:sp>
-      <p:sp>
-        <p:nvSpPr>
-          <p:cNvPr id="3" name="Vertical Text Placeholder 2"/>
-          <p:cNvSpPr>
-            <a:spLocks noGrp="1"/>
-          </p:cNvSpPr>
-          <p:nvPr>
-            <p:ph type="body" orient="vert" idx="1"/>
-          </p:nvPr>
-        </p:nvSpPr>
-        <p:spPr bwMode="white">
-          <a:ln>
-            <a:headEnd type="none"/>
-            <a:tailEnd type="none"/>
-          </a:ln>
-        </p:spPr>
-        <p:txBody>
-          <a:bodyPr vert="eaVert" wrap="square"/>
-          <a:lstStyle/>
-          <a:p>
-            <a:pPr/>
-            <a:r>
-              <a:rPr lang="en-US" dirty="0"/>
-              <a:t>Edit Master text styles</a:t>
-            </a:r>
-          </a:p>
-          <a:p>
-            <a:pPr lvl="1"/>
-            <a:r>
-              <a:rPr lang="en-US" dirty="0"/>
-              <a:t>Second level</a:t>
-            </a:r>
-          </a:p>
-          <a:p>
-            <a:pPr lvl="2"/>
-            <a:r>
-              <a:rPr lang="en-US" dirty="0"/>
-              <a:t>Third level</a:t>
-            </a:r>
-          </a:p>
-          <a:p>
-            <a:pPr lvl="3"/>
-            <a:r>
-              <a:rPr lang="en-US" dirty="0"/>
-              <a:t>Fourth level</a:t>
-            </a:r>
-          </a:p>
-          <a:p>
-            <a:pPr lvl="4"/>
-            <a:r>
-              <a:rPr lang="en-US" dirty="0"/>
-              <a:t>Fifth level</a:t>
-            </a:r>
-          </a:p>
-        </p:txBody>
-      </p:sp>
-      <p:sp>
-        <p:nvSpPr>
-          <p:cNvPr id="4" name="Date Placeholder 3"/>
-          <p:cNvSpPr>
-            <a:spLocks noGrp="1"/>
-          </p:cNvSpPr>
-          <p:nvPr>
-            <p:ph type="dt" sz="half" idx="10"/>
-          </p:nvPr>
-        </p:nvSpPr>
-        <p:spPr bwMode="white">
-          <a:ln>
-            <a:headEnd type="none"/>
-            <a:tailEnd type="none"/>
-          </a:ln>
-        </p:spPr>
-        <p:txBody>
-          <a:bodyPr wrap="square"/>
-          <a:lstStyle/>
-          <a:p>
-            <a:pPr/>
-            <a:fld id="{5455A7CF-DB6C-4325-93B5-8C3F06D80356}" type="datetimeFigureOut">
-              <a:rPr lang="en-US" dirty="0"/>
-              <a:t>25-Nov-22</a:t>
-            </a:fld>
-            <a:endParaRPr lang="en-US" dirty="0"/>
-          </a:p>
-        </p:txBody>
-      </p:sp>
-      <p:sp>
-        <p:nvSpPr>
-          <p:cNvPr id="5" name="Footer Placeholder 4"/>
-          <p:cNvSpPr>
-            <a:spLocks noGrp="1"/>
-          </p:cNvSpPr>
-          <p:nvPr>
-            <p:ph type="ftr" sz="quarter" idx="11"/>
-          </p:nvPr>
-        </p:nvSpPr>
-        <p:spPr bwMode="white">
-          <a:ln>
-            <a:headEnd type="none"/>
-            <a:tailEnd type="none"/>
-          </a:ln>
-        </p:spPr>
-        <p:txBody>
-          <a:bodyPr wrap="square"/>
-          <a:lstStyle/>
-          <a:p>
-            <a:pPr/>
-            <a:endParaRPr lang="en-US" dirty="0"/>
-          </a:p>
-        </p:txBody>
-      </p:sp>
-      <p:sp>
-        <p:nvSpPr>
-          <p:cNvPr id="6" name="Slide Number Placeholder 5"/>
-          <p:cNvSpPr>
-            <a:spLocks noGrp="1"/>
-          </p:cNvSpPr>
-          <p:nvPr>
-            <p:ph type="sldNum" sz="quarter" idx="12"/>
-          </p:nvPr>
-        </p:nvSpPr>
-        <p:spPr bwMode="white">
-          <a:ln>
-            <a:headEnd type="none"/>
-            <a:tailEnd type="none"/>
-          </a:ln>
-        </p:spPr>
-        <p:txBody>
-          <a:bodyPr wrap="square"/>
-          <a:lstStyle/>
-          <a:p>
-            <a:pPr/>
-            <a:fld id="{24E76E65-7777-4C32-B153-6028045D6BD3}" type="slidenum">
-              <a:rPr lang="en-US" dirty="0"/>
-              <a:t>‹#›</a:t>
-            </a:fld>
-            <a:endParaRPr lang="en-US" dirty="0"/>
-          </a:p>
-        </p:txBody>
-      </p:sp>
-    </p:spTree>
-  </p:cSld>
-  <p:clrMapOvr>
-    <a:masterClrMapping/>
-  </p:clrMapOvr>
-</p:sldLayout>
-</file>
-
-<file path=ppt/slideLayouts/slideLayout11.xml><?xml version="1.0" encoding="utf-8"?>
 <p:sldLayout xmlns:a="http://schemas.openxmlformats.org/drawingml/2006/main" xmlns:r="http://schemas.openxmlformats.org/officeDocument/2006/relationships" xmlns:p="http://schemas.openxmlformats.org/presentationml/2006/main">
   <p:cSld name="Vertical Title and Text">
     <p:spTree>
@@ -559,7 +362,6 @@
           <a:bodyPr vert="eaVert" wrap="square"/>
           <a:lstStyle/>
           <a:p>
-            <a:pPr/>
             <a:r>
               <a:rPr lang="en-US" dirty="0"/>
               <a:t>Click to edit Master title style</a:t>
@@ -591,7 +393,6 @@
           <a:bodyPr vert="eaVert" wrap="square"/>
           <a:lstStyle/>
           <a:p>
-            <a:pPr/>
             <a:r>
               <a:rPr lang="en-US" dirty="0"/>
               <a:t>Edit Master text styles</a:t>
@@ -647,10 +448,9 @@
           <a:bodyPr wrap="square"/>
           <a:lstStyle/>
           <a:p>
-            <a:pPr/>
             <a:fld id="{5455A7CF-DB6C-4325-93B5-8C3F06D80356}" type="datetimeFigureOut">
               <a:rPr lang="en-US" dirty="0"/>
-              <a:t>25-Nov-22</a:t>
+              <a:t>12/5/2024</a:t>
             </a:fld>
             <a:endParaRPr lang="en-US" dirty="0"/>
           </a:p>
@@ -676,7 +476,6 @@
           <a:bodyPr wrap="square"/>
           <a:lstStyle/>
           <a:p>
-            <a:pPr/>
             <a:endParaRPr lang="en-US" dirty="0"/>
           </a:p>
         </p:txBody>
@@ -701,7 +500,6 @@
           <a:bodyPr wrap="square"/>
           <a:lstStyle/>
           <a:p>
-            <a:pPr/>
             <a:fld id="{24E76E65-7777-4C32-B153-6028045D6BD3}" type="slidenum">
               <a:rPr lang="en-US" dirty="0"/>
               <a:t>‹#›</a:t>
@@ -755,7 +553,6 @@
           <a:bodyPr wrap="square"/>
           <a:lstStyle/>
           <a:p>
-            <a:pPr/>
             <a:r>
               <a:rPr lang="en-US" dirty="0"/>
               <a:t>Click to edit Master title style</a:t>
@@ -783,7 +580,6 @@
           <a:bodyPr wrap="square"/>
           <a:lstStyle/>
           <a:p>
-            <a:pPr/>
             <a:r>
               <a:rPr lang="en-US" dirty="0"/>
               <a:t>Edit Master text styles</a:t>
@@ -839,10 +635,9 @@
           <a:bodyPr wrap="square"/>
           <a:lstStyle/>
           <a:p>
-            <a:pPr/>
             <a:fld id="{5455A7CF-DB6C-4325-93B5-8C3F06D80356}" type="datetimeFigureOut">
               <a:rPr lang="en-US" dirty="0"/>
-              <a:t>25-Nov-22</a:t>
+              <a:t>12/5/2024</a:t>
             </a:fld>
             <a:endParaRPr lang="en-US" dirty="0"/>
           </a:p>
@@ -868,7 +663,6 @@
           <a:bodyPr wrap="square"/>
           <a:lstStyle/>
           <a:p>
-            <a:pPr/>
             <a:endParaRPr lang="en-US" dirty="0"/>
           </a:p>
         </p:txBody>
@@ -893,7 +687,6 @@
           <a:bodyPr wrap="square"/>
           <a:lstStyle/>
           <a:p>
-            <a:pPr/>
             <a:fld id="{24E76E65-7777-4C32-B153-6028045D6BD3}" type="slidenum">
               <a:rPr lang="en-US" dirty="0"/>
               <a:t>‹#›</a:t>
@@ -911,273 +704,6 @@
 </file>
 
 <file path=ppt/slideLayouts/slideLayout3.xml><?xml version="1.0" encoding="utf-8"?>
-<p:sldLayout xmlns:a="http://schemas.openxmlformats.org/drawingml/2006/main" xmlns:r="http://schemas.openxmlformats.org/officeDocument/2006/relationships" xmlns:p="http://schemas.openxmlformats.org/presentationml/2006/main">
-  <p:cSld name="Section Header">
-    <p:spTree>
-      <p:nvGrpSpPr>
-        <p:cNvPr id="1" name=""/>
-        <p:cNvGrpSpPr/>
-        <p:nvPr/>
-      </p:nvGrpSpPr>
-      <p:grpSpPr>
-        <a:xfrm>
-          <a:off x="0" y="0"/>
-          <a:ext cx="0" cy="0"/>
-          <a:chOff x="0" y="0"/>
-          <a:chExt cx="0" cy="0"/>
-        </a:xfrm>
-      </p:grpSpPr>
-      <p:sp>
-        <p:nvSpPr>
-          <p:cNvPr id="2" name="Title 1"/>
-          <p:cNvSpPr>
-            <a:spLocks noGrp="1"/>
-          </p:cNvSpPr>
-          <p:nvPr>
-            <p:ph type="title"/>
-          </p:nvPr>
-        </p:nvSpPr>
-        <p:spPr bwMode="white">
-          <a:xfrm>
-            <a:off x="831850" y="1709738"/>
-            <a:ext cx="10515600" cy="2852737"/>
-          </a:xfrm>
-          <a:ln>
-            <a:headEnd type="none"/>
-            <a:tailEnd type="none"/>
-          </a:ln>
-        </p:spPr>
-        <p:txBody>
-          <a:bodyPr anchor="b" wrap="square"/>
-          <a:lstStyle>
-            <a:lvl1pPr>
-              <a:defRPr sz="6000" dirty="0"/>
-            </a:lvl1pPr>
-          </a:lstStyle>
-          <a:p>
-            <a:pPr/>
-            <a:r>
-              <a:rPr lang="en-US" dirty="0"/>
-              <a:t>Click to edit Master title style</a:t>
-            </a:r>
-          </a:p>
-        </p:txBody>
-      </p:sp>
-      <p:sp>
-        <p:nvSpPr>
-          <p:cNvPr id="3" name="Text Placeholder 2"/>
-          <p:cNvSpPr>
-            <a:spLocks noGrp="1"/>
-          </p:cNvSpPr>
-          <p:nvPr>
-            <p:ph type="body" idx="1"/>
-          </p:nvPr>
-        </p:nvSpPr>
-        <p:spPr bwMode="white">
-          <a:xfrm>
-            <a:off x="831850" y="4589463"/>
-            <a:ext cx="10515600" cy="1500187"/>
-          </a:xfrm>
-          <a:ln>
-            <a:headEnd type="none"/>
-            <a:tailEnd type="none"/>
-          </a:ln>
-        </p:spPr>
-        <p:txBody>
-          <a:bodyPr wrap="square"/>
-          <a:lstStyle>
-            <a:lvl1pPr marL="0" indent="0">
-              <a:buNone/>
-              <a:defRPr sz="2400" dirty="0">
-                <a:solidFill>
-                  <a:schemeClr val="tx1">
-                    <a:tint val="75000"/>
-                  </a:schemeClr>
-                </a:solidFill>
-              </a:defRPr>
-            </a:lvl1pPr>
-            <a:lvl2pPr marL="457200" indent="0">
-              <a:buNone/>
-              <a:defRPr sz="2000" dirty="0">
-                <a:solidFill>
-                  <a:schemeClr val="tx1">
-                    <a:tint val="75000"/>
-                  </a:schemeClr>
-                </a:solidFill>
-              </a:defRPr>
-            </a:lvl2pPr>
-            <a:lvl3pPr marL="914400" indent="0">
-              <a:buNone/>
-              <a:defRPr sz="1800" dirty="0">
-                <a:solidFill>
-                  <a:schemeClr val="tx1">
-                    <a:tint val="75000"/>
-                  </a:schemeClr>
-                </a:solidFill>
-              </a:defRPr>
-            </a:lvl3pPr>
-            <a:lvl4pPr marL="1371600" indent="0">
-              <a:buNone/>
-              <a:defRPr sz="1600" dirty="0">
-                <a:solidFill>
-                  <a:schemeClr val="tx1">
-                    <a:tint val="75000"/>
-                  </a:schemeClr>
-                </a:solidFill>
-              </a:defRPr>
-            </a:lvl4pPr>
-            <a:lvl5pPr marL="1828800" indent="0">
-              <a:buNone/>
-              <a:defRPr sz="1600" dirty="0">
-                <a:solidFill>
-                  <a:schemeClr val="tx1">
-                    <a:tint val="75000"/>
-                  </a:schemeClr>
-                </a:solidFill>
-              </a:defRPr>
-            </a:lvl5pPr>
-            <a:lvl6pPr marL="2286000" indent="0">
-              <a:buNone/>
-              <a:defRPr sz="1600" dirty="0">
-                <a:solidFill>
-                  <a:schemeClr val="tx1">
-                    <a:tint val="75000"/>
-                  </a:schemeClr>
-                </a:solidFill>
-              </a:defRPr>
-            </a:lvl6pPr>
-            <a:lvl7pPr marL="2743200" indent="0">
-              <a:buNone/>
-              <a:defRPr sz="1600" dirty="0">
-                <a:solidFill>
-                  <a:schemeClr val="tx1">
-                    <a:tint val="75000"/>
-                  </a:schemeClr>
-                </a:solidFill>
-              </a:defRPr>
-            </a:lvl7pPr>
-            <a:lvl8pPr marL="3200400" indent="0">
-              <a:buNone/>
-              <a:defRPr sz="1600" dirty="0">
-                <a:solidFill>
-                  <a:schemeClr val="tx1">
-                    <a:tint val="75000"/>
-                  </a:schemeClr>
-                </a:solidFill>
-              </a:defRPr>
-            </a:lvl8pPr>
-            <a:lvl9pPr marL="3657600" indent="0">
-              <a:buNone/>
-              <a:defRPr sz="1600" dirty="0">
-                <a:solidFill>
-                  <a:schemeClr val="tx1">
-                    <a:tint val="75000"/>
-                  </a:schemeClr>
-                </a:solidFill>
-              </a:defRPr>
-            </a:lvl9pPr>
-          </a:lstStyle>
-          <a:p>
-            <a:pPr/>
-            <a:r>
-              <a:rPr lang="en-US" dirty="0"/>
-              <a:t>Edit Master text styles</a:t>
-            </a:r>
-          </a:p>
-        </p:txBody>
-      </p:sp>
-      <p:sp>
-        <p:nvSpPr>
-          <p:cNvPr id="4" name="Date Placeholder 3"/>
-          <p:cNvSpPr>
-            <a:spLocks noGrp="1"/>
-          </p:cNvSpPr>
-          <p:nvPr>
-            <p:ph type="dt" sz="half" idx="10"/>
-          </p:nvPr>
-        </p:nvSpPr>
-        <p:spPr bwMode="white">
-          <a:ln>
-            <a:headEnd type="none"/>
-            <a:tailEnd type="none"/>
-          </a:ln>
-        </p:spPr>
-        <p:txBody>
-          <a:bodyPr wrap="square"/>
-          <a:lstStyle/>
-          <a:p>
-            <a:pPr/>
-            <a:fld id="{5455A7CF-DB6C-4325-93B5-8C3F06D80356}" type="datetimeFigureOut">
-              <a:rPr lang="en-US" dirty="0"/>
-              <a:t>25-Nov-22</a:t>
-            </a:fld>
-            <a:endParaRPr lang="en-US" dirty="0"/>
-          </a:p>
-        </p:txBody>
-      </p:sp>
-      <p:sp>
-        <p:nvSpPr>
-          <p:cNvPr id="5" name="Footer Placeholder 4"/>
-          <p:cNvSpPr>
-            <a:spLocks noGrp="1"/>
-          </p:cNvSpPr>
-          <p:nvPr>
-            <p:ph type="ftr" sz="quarter" idx="11"/>
-          </p:nvPr>
-        </p:nvSpPr>
-        <p:spPr bwMode="white">
-          <a:ln>
-            <a:headEnd type="none"/>
-            <a:tailEnd type="none"/>
-          </a:ln>
-        </p:spPr>
-        <p:txBody>
-          <a:bodyPr wrap="square"/>
-          <a:lstStyle/>
-          <a:p>
-            <a:pPr/>
-            <a:endParaRPr lang="en-US" dirty="0"/>
-          </a:p>
-        </p:txBody>
-      </p:sp>
-      <p:sp>
-        <p:nvSpPr>
-          <p:cNvPr id="6" name="Slide Number Placeholder 5"/>
-          <p:cNvSpPr>
-            <a:spLocks noGrp="1"/>
-          </p:cNvSpPr>
-          <p:nvPr>
-            <p:ph type="sldNum" sz="quarter" idx="12"/>
-          </p:nvPr>
-        </p:nvSpPr>
-        <p:spPr bwMode="white">
-          <a:ln>
-            <a:headEnd type="none"/>
-            <a:tailEnd type="none"/>
-          </a:ln>
-        </p:spPr>
-        <p:txBody>
-          <a:bodyPr wrap="square"/>
-          <a:lstStyle/>
-          <a:p>
-            <a:pPr/>
-            <a:fld id="{24E76E65-7777-4C32-B153-6028045D6BD3}" type="slidenum">
-              <a:rPr lang="en-US" dirty="0"/>
-              <a:t>‹#›</a:t>
-            </a:fld>
-            <a:endParaRPr lang="en-US" dirty="0"/>
-          </a:p>
-        </p:txBody>
-      </p:sp>
-    </p:spTree>
-  </p:cSld>
-  <p:clrMapOvr>
-    <a:masterClrMapping/>
-  </p:clrMapOvr>
-</p:sldLayout>
-</file>
-
-<file path=ppt/slideLayouts/slideLayout4.xml><?xml version="1.0" encoding="utf-8"?>
 <p:sldLayout xmlns:a="http://schemas.openxmlformats.org/drawingml/2006/main" xmlns:r="http://schemas.openxmlformats.org/officeDocument/2006/relationships" xmlns:p="http://schemas.openxmlformats.org/presentationml/2006/main">
   <p:cSld name="Two Content">
     <p:spTree>
@@ -1214,7 +740,6 @@
           <a:bodyPr wrap="square"/>
           <a:lstStyle/>
           <a:p>
-            <a:pPr/>
             <a:r>
               <a:rPr lang="en-US" dirty="0"/>
               <a:t>Click to edit Master title style</a:t>
@@ -1246,7 +771,6 @@
           <a:bodyPr wrap="square"/>
           <a:lstStyle/>
           <a:p>
-            <a:pPr/>
             <a:r>
               <a:rPr lang="en-US" dirty="0"/>
               <a:t>Edit Master text styles</a:t>
@@ -1306,7 +830,6 @@
           <a:bodyPr wrap="square"/>
           <a:lstStyle/>
           <a:p>
-            <a:pPr/>
             <a:r>
               <a:rPr lang="en-US" dirty="0"/>
               <a:t>Edit Master text styles</a:t>
@@ -1362,10 +885,9 @@
           <a:bodyPr wrap="square"/>
           <a:lstStyle/>
           <a:p>
-            <a:pPr/>
             <a:fld id="{5455A7CF-DB6C-4325-93B5-8C3F06D80356}" type="datetimeFigureOut">
               <a:rPr lang="en-US" dirty="0"/>
-              <a:t>25-Nov-22</a:t>
+              <a:t>12/5/2024</a:t>
             </a:fld>
             <a:endParaRPr lang="en-US" dirty="0"/>
           </a:p>
@@ -1391,7 +913,6 @@
           <a:bodyPr wrap="square"/>
           <a:lstStyle/>
           <a:p>
-            <a:pPr/>
             <a:endParaRPr lang="en-US" dirty="0"/>
           </a:p>
         </p:txBody>
@@ -1416,7 +937,6 @@
           <a:bodyPr wrap="square"/>
           <a:lstStyle/>
           <a:p>
-            <a:pPr/>
             <a:fld id="{24E76E65-7777-4C32-B153-6028045D6BD3}" type="slidenum">
               <a:rPr lang="en-US" dirty="0"/>
               <a:t>‹#›</a:t>
@@ -1433,7 +953,7 @@
 </p:sldLayout>
 </file>
 
-<file path=ppt/slideLayouts/slideLayout5.xml><?xml version="1.0" encoding="utf-8"?>
+<file path=ppt/slideLayouts/slideLayout4.xml><?xml version="1.0" encoding="utf-8"?>
 <p:sldLayout xmlns:a="http://schemas.openxmlformats.org/drawingml/2006/main" xmlns:r="http://schemas.openxmlformats.org/officeDocument/2006/relationships" xmlns:p="http://schemas.openxmlformats.org/presentationml/2006/main">
   <p:cSld name="Comparison">
     <p:spTree>
@@ -1474,7 +994,6 @@
           <a:bodyPr wrap="square"/>
           <a:lstStyle/>
           <a:p>
-            <a:pPr/>
             <a:r>
               <a:rPr lang="en-US" dirty="0"/>
               <a:t>Click to edit Master title style</a:t>
@@ -1503,7 +1022,7 @@
           </a:ln>
         </p:spPr>
         <p:txBody>
-          <a:bodyPr anchor="b" wrap="square"/>
+          <a:bodyPr wrap="square" anchor="b"/>
           <a:lstStyle>
             <a:lvl1pPr marL="0" indent="0">
               <a:buNone/>
@@ -1543,7 +1062,6 @@
             </a:lvl9pPr>
           </a:lstStyle>
           <a:p>
-            <a:pPr/>
             <a:r>
               <a:rPr lang="en-US" dirty="0"/>
               <a:t>Edit Master text styles</a:t>
@@ -1575,7 +1093,6 @@
           <a:bodyPr wrap="square"/>
           <a:lstStyle/>
           <a:p>
-            <a:pPr/>
             <a:r>
               <a:rPr lang="en-US" dirty="0"/>
               <a:t>Edit Master text styles</a:t>
@@ -1632,7 +1149,7 @@
           </a:ln>
         </p:spPr>
         <p:txBody>
-          <a:bodyPr anchor="b" wrap="square"/>
+          <a:bodyPr wrap="square" anchor="b"/>
           <a:lstStyle>
             <a:lvl1pPr marL="0" indent="0">
               <a:buNone/>
@@ -1672,7 +1189,6 @@
             </a:lvl9pPr>
           </a:lstStyle>
           <a:p>
-            <a:pPr/>
             <a:r>
               <a:rPr lang="en-US" dirty="0"/>
               <a:t>Edit Master text styles</a:t>
@@ -1704,7 +1220,6 @@
           <a:bodyPr wrap="square"/>
           <a:lstStyle/>
           <a:p>
-            <a:pPr/>
             <a:r>
               <a:rPr lang="en-US" dirty="0"/>
               <a:t>Edit Master text styles</a:t>
@@ -1760,10 +1275,9 @@
           <a:bodyPr wrap="square"/>
           <a:lstStyle/>
           <a:p>
-            <a:pPr/>
             <a:fld id="{5455A7CF-DB6C-4325-93B5-8C3F06D80356}" type="datetimeFigureOut">
               <a:rPr lang="en-US" dirty="0"/>
-              <a:t>25-Nov-22</a:t>
+              <a:t>12/5/2024</a:t>
             </a:fld>
             <a:endParaRPr lang="en-US" dirty="0"/>
           </a:p>
@@ -1789,7 +1303,6 @@
           <a:bodyPr wrap="square"/>
           <a:lstStyle/>
           <a:p>
-            <a:pPr/>
             <a:endParaRPr lang="en-US" dirty="0"/>
           </a:p>
         </p:txBody>
@@ -1814,7 +1327,6 @@
           <a:bodyPr wrap="square"/>
           <a:lstStyle/>
           <a:p>
-            <a:pPr/>
             <a:fld id="{24E76E65-7777-4C32-B153-6028045D6BD3}" type="slidenum">
               <a:rPr lang="en-US" dirty="0"/>
               <a:t>‹#›</a:t>
@@ -1831,7 +1343,7 @@
 </p:sldLayout>
 </file>
 
-<file path=ppt/slideLayouts/slideLayout6.xml><?xml version="1.0" encoding="utf-8"?>
+<file path=ppt/slideLayouts/slideLayout5.xml><?xml version="1.0" encoding="utf-8"?>
 <p:sldLayout xmlns:a="http://schemas.openxmlformats.org/drawingml/2006/main" xmlns:r="http://schemas.openxmlformats.org/officeDocument/2006/relationships" xmlns:p="http://schemas.openxmlformats.org/presentationml/2006/main">
   <p:cSld name="Title Only">
     <p:spTree>
@@ -1868,7 +1380,6 @@
           <a:bodyPr wrap="square"/>
           <a:lstStyle/>
           <a:p>
-            <a:pPr/>
             <a:r>
               <a:rPr lang="en-US" dirty="0"/>
               <a:t>Click to edit Master title style</a:t>
@@ -1896,10 +1407,9 @@
           <a:bodyPr wrap="square"/>
           <a:lstStyle/>
           <a:p>
-            <a:pPr/>
             <a:fld id="{5455A7CF-DB6C-4325-93B5-8C3F06D80356}" type="datetimeFigureOut">
               <a:rPr lang="en-US" dirty="0"/>
-              <a:t>25-Nov-22</a:t>
+              <a:t>12/5/2024</a:t>
             </a:fld>
             <a:endParaRPr lang="en-US" dirty="0"/>
           </a:p>
@@ -1925,7 +1435,6 @@
           <a:bodyPr wrap="square"/>
           <a:lstStyle/>
           <a:p>
-            <a:pPr/>
             <a:endParaRPr lang="en-US" dirty="0"/>
           </a:p>
         </p:txBody>
@@ -1950,7 +1459,6 @@
           <a:bodyPr wrap="square"/>
           <a:lstStyle/>
           <a:p>
-            <a:pPr/>
             <a:fld id="{24E76E65-7777-4C32-B153-6028045D6BD3}" type="slidenum">
               <a:rPr lang="en-US" dirty="0"/>
               <a:t>‹#›</a:t>
@@ -1967,7 +1475,7 @@
 </p:sldLayout>
 </file>
 
-<file path=ppt/slideLayouts/slideLayout7.xml><?xml version="1.0" encoding="utf-8"?>
+<file path=ppt/slideLayouts/slideLayout6.xml><?xml version="1.0" encoding="utf-8"?>
 <p:sldLayout xmlns:a="http://schemas.openxmlformats.org/drawingml/2006/main" xmlns:r="http://schemas.openxmlformats.org/officeDocument/2006/relationships" xmlns:p="http://schemas.openxmlformats.org/presentationml/2006/main">
   <p:cSld name="Blank">
     <p:spTree>
@@ -2004,10 +1512,9 @@
           <a:bodyPr wrap="square"/>
           <a:lstStyle/>
           <a:p>
-            <a:pPr/>
             <a:fld id="{5455A7CF-DB6C-4325-93B5-8C3F06D80356}" type="datetimeFigureOut">
               <a:rPr lang="en-US" dirty="0"/>
-              <a:t>25-Nov-22</a:t>
+              <a:t>12/5/2024</a:t>
             </a:fld>
             <a:endParaRPr lang="en-US" dirty="0"/>
           </a:p>
@@ -2033,7 +1540,6 @@
           <a:bodyPr wrap="square"/>
           <a:lstStyle/>
           <a:p>
-            <a:pPr/>
             <a:endParaRPr lang="en-US" dirty="0"/>
           </a:p>
         </p:txBody>
@@ -2058,7 +1564,6 @@
           <a:bodyPr wrap="square"/>
           <a:lstStyle/>
           <a:p>
-            <a:pPr/>
             <a:fld id="{24E76E65-7777-4C32-B153-6028045D6BD3}" type="slidenum">
               <a:rPr lang="en-US" dirty="0"/>
               <a:t>‹#›</a:t>
@@ -2075,7 +1580,7 @@
 </p:sldLayout>
 </file>
 
-<file path=ppt/slideLayouts/slideLayout8.xml><?xml version="1.0" encoding="utf-8"?>
+<file path=ppt/slideLayouts/slideLayout7.xml><?xml version="1.0" encoding="utf-8"?>
 <p:sldLayout xmlns:a="http://schemas.openxmlformats.org/drawingml/2006/main" xmlns:r="http://schemas.openxmlformats.org/officeDocument/2006/relationships" xmlns:p="http://schemas.openxmlformats.org/presentationml/2006/main">
   <p:cSld name="Content with Caption">
     <p:spTree>
@@ -2113,14 +1618,13 @@
           </a:ln>
         </p:spPr>
         <p:txBody>
-          <a:bodyPr anchor="b" wrap="square"/>
+          <a:bodyPr wrap="square" anchor="b"/>
           <a:lstStyle>
             <a:lvl1pPr>
               <a:defRPr sz="3200" dirty="0"/>
             </a:lvl1pPr>
           </a:lstStyle>
           <a:p>
-            <a:pPr/>
             <a:r>
               <a:rPr lang="en-US" dirty="0"/>
               <a:t>Click to edit Master title style</a:t>
@@ -2180,7 +1684,6 @@
             </a:lvl9pPr>
           </a:lstStyle>
           <a:p>
-            <a:pPr/>
             <a:r>
               <a:rPr lang="en-US" dirty="0"/>
               <a:t>Edit Master text styles</a:t>
@@ -2277,7 +1780,6 @@
             </a:lvl9pPr>
           </a:lstStyle>
           <a:p>
-            <a:pPr/>
             <a:r>
               <a:rPr lang="en-US" dirty="0"/>
               <a:t>Edit Master text styles</a:t>
@@ -2305,10 +1807,9 @@
           <a:bodyPr wrap="square"/>
           <a:lstStyle/>
           <a:p>
-            <a:pPr/>
             <a:fld id="{5455A7CF-DB6C-4325-93B5-8C3F06D80356}" type="datetimeFigureOut">
               <a:rPr lang="en-US" dirty="0"/>
-              <a:t>25-Nov-22</a:t>
+              <a:t>12/5/2024</a:t>
             </a:fld>
             <a:endParaRPr lang="en-US" dirty="0"/>
           </a:p>
@@ -2334,7 +1835,6 @@
           <a:bodyPr wrap="square"/>
           <a:lstStyle/>
           <a:p>
-            <a:pPr/>
             <a:endParaRPr lang="en-US" dirty="0"/>
           </a:p>
         </p:txBody>
@@ -2359,7 +1859,6 @@
           <a:bodyPr wrap="square"/>
           <a:lstStyle/>
           <a:p>
-            <a:pPr/>
             <a:fld id="{24E76E65-7777-4C32-B153-6028045D6BD3}" type="slidenum">
               <a:rPr lang="en-US" dirty="0"/>
               <a:t>‹#›</a:t>
@@ -2376,7 +1875,7 @@
 </p:sldLayout>
 </file>
 
-<file path=ppt/slideLayouts/slideLayout9.xml><?xml version="1.0" encoding="utf-8"?>
+<file path=ppt/slideLayouts/slideLayout8.xml><?xml version="1.0" encoding="utf-8"?>
 <p:sldLayout xmlns:a="http://schemas.openxmlformats.org/drawingml/2006/main" xmlns:r="http://schemas.openxmlformats.org/officeDocument/2006/relationships" xmlns:p="http://schemas.openxmlformats.org/presentationml/2006/main">
   <p:cSld name="Picture with Caption">
     <p:spTree>
@@ -2414,14 +1913,13 @@
           </a:ln>
         </p:spPr>
         <p:txBody>
-          <a:bodyPr anchor="b" wrap="square"/>
+          <a:bodyPr wrap="square" anchor="b"/>
           <a:lstStyle>
             <a:lvl1pPr>
               <a:defRPr sz="3200" dirty="0"/>
             </a:lvl1pPr>
           </a:lstStyle>
           <a:p>
-            <a:pPr/>
             <a:r>
               <a:rPr lang="en-US" dirty="0"/>
               <a:t>Click to edit Master title style</a:t>
@@ -2490,7 +1988,6 @@
             </a:lvl9pPr>
           </a:lstStyle>
           <a:p>
-            <a:pPr/>
             <a:endParaRPr lang="en-US" dirty="0"/>
           </a:p>
         </p:txBody>
@@ -2556,7 +2053,6 @@
             </a:lvl9pPr>
           </a:lstStyle>
           <a:p>
-            <a:pPr/>
             <a:r>
               <a:rPr lang="en-US" dirty="0"/>
               <a:t>Edit Master text styles</a:t>
@@ -2584,10 +2080,9 @@
           <a:bodyPr wrap="square"/>
           <a:lstStyle/>
           <a:p>
-            <a:pPr/>
             <a:fld id="{5455A7CF-DB6C-4325-93B5-8C3F06D80356}" type="datetimeFigureOut">
               <a:rPr lang="en-US" dirty="0"/>
-              <a:t>25-Nov-22</a:t>
+              <a:t>12/5/2024</a:t>
             </a:fld>
             <a:endParaRPr lang="en-US" dirty="0"/>
           </a:p>
@@ -2613,7 +2108,6 @@
           <a:bodyPr wrap="square"/>
           <a:lstStyle/>
           <a:p>
-            <a:pPr/>
             <a:endParaRPr lang="en-US" dirty="0"/>
           </a:p>
         </p:txBody>
@@ -2638,7 +2132,193 @@
           <a:bodyPr wrap="square"/>
           <a:lstStyle/>
           <a:p>
-            <a:pPr/>
+            <a:fld id="{24E76E65-7777-4C32-B153-6028045D6BD3}" type="slidenum">
+              <a:rPr lang="en-US" dirty="0"/>
+              <a:t>‹#›</a:t>
+            </a:fld>
+            <a:endParaRPr lang="en-US" dirty="0"/>
+          </a:p>
+        </p:txBody>
+      </p:sp>
+    </p:spTree>
+  </p:cSld>
+  <p:clrMapOvr>
+    <a:masterClrMapping/>
+  </p:clrMapOvr>
+</p:sldLayout>
+</file>
+
+<file path=ppt/slideLayouts/slideLayout9.xml><?xml version="1.0" encoding="utf-8"?>
+<p:sldLayout xmlns:a="http://schemas.openxmlformats.org/drawingml/2006/main" xmlns:r="http://schemas.openxmlformats.org/officeDocument/2006/relationships" xmlns:p="http://schemas.openxmlformats.org/presentationml/2006/main">
+  <p:cSld name="Title and Vertical Text">
+    <p:spTree>
+      <p:nvGrpSpPr>
+        <p:cNvPr id="1" name=""/>
+        <p:cNvGrpSpPr/>
+        <p:nvPr/>
+      </p:nvGrpSpPr>
+      <p:grpSpPr>
+        <a:xfrm>
+          <a:off x="0" y="0"/>
+          <a:ext cx="0" cy="0"/>
+          <a:chOff x="0" y="0"/>
+          <a:chExt cx="0" cy="0"/>
+        </a:xfrm>
+      </p:grpSpPr>
+      <p:sp>
+        <p:nvSpPr>
+          <p:cNvPr id="2" name="Title 1"/>
+          <p:cNvSpPr>
+            <a:spLocks noGrp="1"/>
+          </p:cNvSpPr>
+          <p:nvPr>
+            <p:ph type="title"/>
+          </p:nvPr>
+        </p:nvSpPr>
+        <p:spPr bwMode="white">
+          <a:ln>
+            <a:headEnd type="none"/>
+            <a:tailEnd type="none"/>
+          </a:ln>
+        </p:spPr>
+        <p:txBody>
+          <a:bodyPr wrap="square"/>
+          <a:lstStyle/>
+          <a:p>
+            <a:r>
+              <a:rPr lang="en-US" dirty="0"/>
+              <a:t>Click to edit Master title style</a:t>
+            </a:r>
+          </a:p>
+        </p:txBody>
+      </p:sp>
+      <p:sp>
+        <p:nvSpPr>
+          <p:cNvPr id="3" name="Vertical Text Placeholder 2"/>
+          <p:cNvSpPr>
+            <a:spLocks noGrp="1"/>
+          </p:cNvSpPr>
+          <p:nvPr>
+            <p:ph type="body" orient="vert" idx="1"/>
+          </p:nvPr>
+        </p:nvSpPr>
+        <p:spPr bwMode="white">
+          <a:ln>
+            <a:headEnd type="none"/>
+            <a:tailEnd type="none"/>
+          </a:ln>
+        </p:spPr>
+        <p:txBody>
+          <a:bodyPr vert="eaVert" wrap="square"/>
+          <a:lstStyle/>
+          <a:p>
+            <a:r>
+              <a:rPr lang="en-US" dirty="0"/>
+              <a:t>Edit Master text styles</a:t>
+            </a:r>
+          </a:p>
+          <a:p>
+            <a:pPr lvl="1"/>
+            <a:r>
+              <a:rPr lang="en-US" dirty="0"/>
+              <a:t>Second level</a:t>
+            </a:r>
+          </a:p>
+          <a:p>
+            <a:pPr lvl="2"/>
+            <a:r>
+              <a:rPr lang="en-US" dirty="0"/>
+              <a:t>Third level</a:t>
+            </a:r>
+          </a:p>
+          <a:p>
+            <a:pPr lvl="3"/>
+            <a:r>
+              <a:rPr lang="en-US" dirty="0"/>
+              <a:t>Fourth level</a:t>
+            </a:r>
+          </a:p>
+          <a:p>
+            <a:pPr lvl="4"/>
+            <a:r>
+              <a:rPr lang="en-US" dirty="0"/>
+              <a:t>Fifth level</a:t>
+            </a:r>
+          </a:p>
+        </p:txBody>
+      </p:sp>
+      <p:sp>
+        <p:nvSpPr>
+          <p:cNvPr id="4" name="Date Placeholder 3"/>
+          <p:cNvSpPr>
+            <a:spLocks noGrp="1"/>
+          </p:cNvSpPr>
+          <p:nvPr>
+            <p:ph type="dt" sz="half" idx="10"/>
+          </p:nvPr>
+        </p:nvSpPr>
+        <p:spPr bwMode="white">
+          <a:ln>
+            <a:headEnd type="none"/>
+            <a:tailEnd type="none"/>
+          </a:ln>
+        </p:spPr>
+        <p:txBody>
+          <a:bodyPr wrap="square"/>
+          <a:lstStyle/>
+          <a:p>
+            <a:fld id="{5455A7CF-DB6C-4325-93B5-8C3F06D80356}" type="datetimeFigureOut">
+              <a:rPr lang="en-US" dirty="0"/>
+              <a:t>12/5/2024</a:t>
+            </a:fld>
+            <a:endParaRPr lang="en-US" dirty="0"/>
+          </a:p>
+        </p:txBody>
+      </p:sp>
+      <p:sp>
+        <p:nvSpPr>
+          <p:cNvPr id="5" name="Footer Placeholder 4"/>
+          <p:cNvSpPr>
+            <a:spLocks noGrp="1"/>
+          </p:cNvSpPr>
+          <p:nvPr>
+            <p:ph type="ftr" sz="quarter" idx="11"/>
+          </p:nvPr>
+        </p:nvSpPr>
+        <p:spPr bwMode="white">
+          <a:ln>
+            <a:headEnd type="none"/>
+            <a:tailEnd type="none"/>
+          </a:ln>
+        </p:spPr>
+        <p:txBody>
+          <a:bodyPr wrap="square"/>
+          <a:lstStyle/>
+          <a:p>
+            <a:endParaRPr lang="en-US" dirty="0"/>
+          </a:p>
+        </p:txBody>
+      </p:sp>
+      <p:sp>
+        <p:nvSpPr>
+          <p:cNvPr id="6" name="Slide Number Placeholder 5"/>
+          <p:cNvSpPr>
+            <a:spLocks noGrp="1"/>
+          </p:cNvSpPr>
+          <p:nvPr>
+            <p:ph type="sldNum" sz="quarter" idx="12"/>
+          </p:nvPr>
+        </p:nvSpPr>
+        <p:spPr bwMode="white">
+          <a:ln>
+            <a:headEnd type="none"/>
+            <a:tailEnd type="none"/>
+          </a:ln>
+        </p:spPr>
+        <p:txBody>
+          <a:bodyPr wrap="square"/>
+          <a:lstStyle/>
+          <a:p>
             <a:fld id="{24E76E65-7777-4C32-B153-6028045D6BD3}" type="slidenum">
               <a:rPr lang="en-US" dirty="0"/>
               <a:t>‹#›</a:t>
@@ -2663,6 +2343,7 @@
         <a:solidFill>
           <a:schemeClr val="bg1"/>
         </a:solidFill>
+        <a:effectLst/>
       </p:bgPr>
     </p:bg>
     <p:spTree>
@@ -2703,12 +2384,11 @@
           </a:ln>
         </p:spPr>
         <p:txBody>
-          <a:bodyPr lIns="91440" tIns="45720" rIns="91440" bIns="45720" anchor="ctr" wrap="square">
+          <a:bodyPr wrap="square" lIns="91440" tIns="45720" rIns="91440" bIns="45720" anchor="ctr">
             <a:normAutofit/>
           </a:bodyPr>
           <a:lstStyle/>
           <a:p>
-            <a:pPr/>
             <a:r>
               <a:rPr lang="en-US" dirty="0"/>
               <a:t>Click to edit Master title style</a:t>
@@ -2740,12 +2420,11 @@
           </a:ln>
         </p:spPr>
         <p:txBody>
-          <a:bodyPr lIns="91440" tIns="45720" rIns="91440" bIns="45720" wrap="square">
+          <a:bodyPr wrap="square" lIns="91440" tIns="45720" rIns="91440" bIns="45720">
             <a:normAutofit/>
           </a:bodyPr>
           <a:lstStyle/>
           <a:p>
-            <a:pPr/>
             <a:r>
               <a:rPr lang="en-US" dirty="0"/>
               <a:t>Edit Master text styles</a:t>
@@ -2805,7 +2484,7 @@
           </a:ln>
         </p:spPr>
         <p:txBody>
-          <a:bodyPr lIns="91440" tIns="45720" rIns="91440" bIns="45720" anchor="ctr" wrap="square"/>
+          <a:bodyPr wrap="square" lIns="91440" tIns="45720" rIns="91440" bIns="45720" anchor="ctr"/>
           <a:lstStyle>
             <a:lvl1pPr algn="l">
               <a:defRPr sz="1200" dirty="0">
@@ -2818,10 +2497,9 @@
             </a:lvl1pPr>
           </a:lstStyle>
           <a:p>
-            <a:pPr/>
             <a:fld id="{5455A7CF-DB6C-4325-93B5-8C3F06D80356}" type="datetimeFigureOut">
               <a:rPr lang="en-US" dirty="0"/>
-              <a:t>25-Nov-22</a:t>
+              <a:t>12/5/2024</a:t>
             </a:fld>
             <a:endParaRPr lang="en-US" dirty="0"/>
           </a:p>
@@ -2851,7 +2529,7 @@
           </a:ln>
         </p:spPr>
         <p:txBody>
-          <a:bodyPr lIns="91440" tIns="45720" rIns="91440" bIns="45720" anchor="ctr" wrap="square"/>
+          <a:bodyPr wrap="square" lIns="91440" tIns="45720" rIns="91440" bIns="45720" anchor="ctr"/>
           <a:lstStyle>
             <a:lvl1pPr algn="ctr">
               <a:defRPr sz="1200" dirty="0">
@@ -2864,7 +2542,6 @@
             </a:lvl1pPr>
           </a:lstStyle>
           <a:p>
-            <a:pPr/>
             <a:endParaRPr lang="en-US" dirty="0"/>
           </a:p>
         </p:txBody>
@@ -2893,7 +2570,7 @@
           </a:ln>
         </p:spPr>
         <p:txBody>
-          <a:bodyPr lIns="91440" tIns="45720" rIns="91440" bIns="45720" anchor="ctr" wrap="square"/>
+          <a:bodyPr wrap="square" lIns="91440" tIns="45720" rIns="91440" bIns="45720" anchor="ctr"/>
           <a:lstStyle>
             <a:lvl1pPr algn="r">
               <a:defRPr sz="1200" dirty="0">
@@ -2906,7 +2583,6 @@
             </a:lvl1pPr>
           </a:lstStyle>
           <a:p>
-            <a:pPr/>
             <a:fld id="{24E76E65-7777-4C32-B153-6028045D6BD3}" type="slidenum">
               <a:rPr lang="en-US" dirty="0"/>
               <a:t>‹#›</a:t>
@@ -2969,19 +2645,18 @@
   <p:sldLayoutIdLst>
     <p:sldLayoutId id="2147483649" r:id="rId1"/>
     <p:sldLayoutId id="2147483650" r:id="rId2"/>
-    <p:sldLayoutId id="2147483651" r:id="rId3"/>
-    <p:sldLayoutId id="2147483652" r:id="rId4"/>
-    <p:sldLayoutId id="2147483653" r:id="rId5"/>
-    <p:sldLayoutId id="2147483654" r:id="rId6"/>
-    <p:sldLayoutId id="2147483655" r:id="rId7"/>
-    <p:sldLayoutId id="2147483656" r:id="rId8"/>
-    <p:sldLayoutId id="2147483657" r:id="rId9"/>
-    <p:sldLayoutId id="2147483658" r:id="rId10"/>
-    <p:sldLayoutId id="2147483659" r:id="rId11"/>
+    <p:sldLayoutId id="2147483652" r:id="rId3"/>
+    <p:sldLayoutId id="2147483653" r:id="rId4"/>
+    <p:sldLayoutId id="2147483654" r:id="rId5"/>
+    <p:sldLayoutId id="2147483655" r:id="rId6"/>
+    <p:sldLayoutId id="2147483656" r:id="rId7"/>
+    <p:sldLayoutId id="2147483657" r:id="rId8"/>
+    <p:sldLayoutId id="2147483658" r:id="rId9"/>
+    <p:sldLayoutId id="2147483659" r:id="rId10"/>
   </p:sldLayoutIdLst>
   <p:txStyles>
     <p:titleStyle>
-      <a:lvl1pPr rtl="0" algn="l" defTabSz="914400">
+      <a:lvl1pPr algn="l" defTabSz="914400" rtl="0">
         <a:lnSpc>
           <a:spcPct val="90000"/>
         </a:lnSpc>
@@ -3000,7 +2675,7 @@
       </a:lvl1pPr>
     </p:titleStyle>
     <p:bodyStyle>
-      <a:lvl1pPr marL="228600" indent="-228600" rtl="0" algn="l" defTabSz="914400">
+      <a:lvl1pPr marL="228600" indent="-228600" algn="l" defTabSz="914400" rtl="0">
         <a:lnSpc>
           <a:spcPct val="90000"/>
         </a:lnSpc>
@@ -3018,7 +2693,7 @@
           <a:cs typeface="+mn-cs"/>
         </a:defRPr>
       </a:lvl1pPr>
-      <a:lvl2pPr marL="685800" indent="-228600" rtl="0" algn="l" defTabSz="914400">
+      <a:lvl2pPr marL="685800" indent="-228600" algn="l" defTabSz="914400" rtl="0">
         <a:lnSpc>
           <a:spcPct val="90000"/>
         </a:lnSpc>
@@ -3036,7 +2711,7 @@
           <a:cs typeface="+mn-cs"/>
         </a:defRPr>
       </a:lvl2pPr>
-      <a:lvl3pPr marL="1143000" indent="-228600" rtl="0" algn="l" defTabSz="914400">
+      <a:lvl3pPr marL="1143000" indent="-228600" algn="l" defTabSz="914400" rtl="0">
         <a:lnSpc>
           <a:spcPct val="90000"/>
         </a:lnSpc>
@@ -3054,7 +2729,7 @@
           <a:cs typeface="+mn-cs"/>
         </a:defRPr>
       </a:lvl3pPr>
-      <a:lvl4pPr marL="1600200" indent="-228600" rtl="0" algn="l" defTabSz="914400">
+      <a:lvl4pPr marL="1600200" indent="-228600" algn="l" defTabSz="914400" rtl="0">
         <a:lnSpc>
           <a:spcPct val="90000"/>
         </a:lnSpc>
@@ -3072,7 +2747,7 @@
           <a:cs typeface="+mn-cs"/>
         </a:defRPr>
       </a:lvl4pPr>
-      <a:lvl5pPr marL="2057400" indent="-228600" rtl="0" algn="l" defTabSz="914400">
+      <a:lvl5pPr marL="2057400" indent="-228600" algn="l" defTabSz="914400" rtl="0">
         <a:lnSpc>
           <a:spcPct val="90000"/>
         </a:lnSpc>
@@ -3090,7 +2765,7 @@
           <a:cs typeface="+mn-cs"/>
         </a:defRPr>
       </a:lvl5pPr>
-      <a:lvl6pPr marL="2514600" indent="-228600" rtl="0" algn="l" defTabSz="914400">
+      <a:lvl6pPr marL="2514600" indent="-228600" algn="l" defTabSz="914400" rtl="0">
         <a:lnSpc>
           <a:spcPct val="90000"/>
         </a:lnSpc>
@@ -3108,7 +2783,7 @@
           <a:cs typeface="+mn-cs"/>
         </a:defRPr>
       </a:lvl6pPr>
-      <a:lvl7pPr marL="2971800" indent="-228600" rtl="0" algn="l" defTabSz="914400">
+      <a:lvl7pPr marL="2971800" indent="-228600" algn="l" defTabSz="914400" rtl="0">
         <a:lnSpc>
           <a:spcPct val="90000"/>
         </a:lnSpc>
@@ -3126,7 +2801,7 @@
           <a:cs typeface="+mn-cs"/>
         </a:defRPr>
       </a:lvl7pPr>
-      <a:lvl8pPr marL="3429000" indent="-228600" rtl="0" algn="l" defTabSz="914400">
+      <a:lvl8pPr marL="3429000" indent="-228600" algn="l" defTabSz="914400" rtl="0">
         <a:lnSpc>
           <a:spcPct val="90000"/>
         </a:lnSpc>
@@ -3144,7 +2819,7 @@
           <a:cs typeface="+mn-cs"/>
         </a:defRPr>
       </a:lvl8pPr>
-      <a:lvl9pPr marL="3886200" indent="-228600" rtl="0" algn="l" defTabSz="914400">
+      <a:lvl9pPr marL="3886200" indent="-228600" algn="l" defTabSz="914400" rtl="0">
         <a:lnSpc>
           <a:spcPct val="90000"/>
         </a:lnSpc>
@@ -3167,7 +2842,7 @@
       <a:defPPr defTabSz="914400">
         <a:defRPr lang="en-US" dirty="0"/>
       </a:defPPr>
-      <a:lvl1pPr marL="0" rtl="0" algn="l" defTabSz="914400">
+      <a:lvl1pPr marL="0" algn="l" defTabSz="914400" rtl="0">
         <a:defRPr sz="1800" kern="1200" dirty="0">
           <a:solidFill>
             <a:schemeClr val="tx1"/>
@@ -3177,7 +2852,7 @@
           <a:cs typeface="+mn-cs"/>
         </a:defRPr>
       </a:lvl1pPr>
-      <a:lvl2pPr marL="457200" rtl="0" algn="l" defTabSz="914400">
+      <a:lvl2pPr marL="457200" algn="l" defTabSz="914400" rtl="0">
         <a:defRPr sz="1800" kern="1200" dirty="0">
           <a:solidFill>
             <a:schemeClr val="tx1"/>
@@ -3187,7 +2862,7 @@
           <a:cs typeface="+mn-cs"/>
         </a:defRPr>
       </a:lvl2pPr>
-      <a:lvl3pPr marL="914400" rtl="0" algn="l" defTabSz="914400">
+      <a:lvl3pPr marL="914400" algn="l" defTabSz="914400" rtl="0">
         <a:defRPr sz="1800" kern="1200" dirty="0">
           <a:solidFill>
             <a:schemeClr val="tx1"/>
@@ -3197,7 +2872,7 @@
           <a:cs typeface="+mn-cs"/>
         </a:defRPr>
       </a:lvl3pPr>
-      <a:lvl4pPr marL="1371600" rtl="0" algn="l" defTabSz="914400">
+      <a:lvl4pPr marL="1371600" algn="l" defTabSz="914400" rtl="0">
         <a:defRPr sz="1800" kern="1200" dirty="0">
           <a:solidFill>
             <a:schemeClr val="tx1"/>
@@ -3207,7 +2882,7 @@
           <a:cs typeface="+mn-cs"/>
         </a:defRPr>
       </a:lvl4pPr>
-      <a:lvl5pPr marL="1828800" rtl="0" algn="l" defTabSz="914400">
+      <a:lvl5pPr marL="1828800" algn="l" defTabSz="914400" rtl="0">
         <a:defRPr sz="1800" kern="1200" dirty="0">
           <a:solidFill>
             <a:schemeClr val="tx1"/>
@@ -3217,7 +2892,7 @@
           <a:cs typeface="+mn-cs"/>
         </a:defRPr>
       </a:lvl5pPr>
-      <a:lvl6pPr marL="2286000" rtl="0" algn="l" defTabSz="914400">
+      <a:lvl6pPr marL="2286000" algn="l" defTabSz="914400" rtl="0">
         <a:defRPr sz="1800" kern="1200" dirty="0">
           <a:solidFill>
             <a:schemeClr val="tx1"/>
@@ -3227,7 +2902,7 @@
           <a:cs typeface="+mn-cs"/>
         </a:defRPr>
       </a:lvl6pPr>
-      <a:lvl7pPr marL="2743200" rtl="0" algn="l" defTabSz="914400">
+      <a:lvl7pPr marL="2743200" algn="l" defTabSz="914400" rtl="0">
         <a:defRPr sz="1800" kern="1200" dirty="0">
           <a:solidFill>
             <a:schemeClr val="tx1"/>
@@ -3237,7 +2912,7 @@
           <a:cs typeface="+mn-cs"/>
         </a:defRPr>
       </a:lvl7pPr>
-      <a:lvl8pPr marL="3200400" rtl="0" algn="l" defTabSz="914400">
+      <a:lvl8pPr marL="3200400" algn="l" defTabSz="914400" rtl="0">
         <a:defRPr sz="1800" kern="1200" dirty="0">
           <a:solidFill>
             <a:schemeClr val="tx1"/>
@@ -3247,7 +2922,7 @@
           <a:cs typeface="+mn-cs"/>
         </a:defRPr>
       </a:lvl8pPr>
-      <a:lvl9pPr marL="3657600" rtl="0" algn="l" defTabSz="914400">
+      <a:lvl9pPr marL="3657600" algn="l" defTabSz="914400" rtl="0">
         <a:defRPr sz="1800" kern="1200" dirty="0">
           <a:solidFill>
             <a:schemeClr val="tx1"/>
@@ -3301,8 +2976,10 @@
           <a:p>
             <a:pPr algn="ctr" defTabSz="914400"/>
             <a:r>
-              <a:rPr dirty="0"/>
-              <a:t>Company History</a:t>
+              <a:rPr lang="en-US" sz="4400" b="1" dirty="0">
+                <a:latin typeface="+mn-lt"/>
+              </a:rPr>
+              <a:t>Adventure Works Cycles</a:t>
             </a:r>
           </a:p>
         </p:txBody>
@@ -3336,17 +3013,10 @@
           <a:p>
             <a:pPr defTabSz="914400"/>
             <a:r>
-              <a:rPr dirty="0"/>
-              <a:t>IMN Solutions PVT LTD is the software company, established in 1987, by George Milton. The company has been listed as the trusted partner for many high-profile organizations since 1988 and got awards for quality product</a:t>
-            </a:r>
-            <a:r>
-              <a:rPr lang="en-US" dirty="0"/>
-              <a:t>ion</a:t>
-            </a:r>
-            <a:r>
-              <a:rPr dirty="0"/>
-              <a:t> from reputed organizations.</a:t>
-            </a:r>
+              <a:rPr lang="en-US" dirty="0"/>
+              <a:t>Adventure Works Cycles, the fictitious company on which the Adventure Works sample databases are based, is a large, multinational manufacturing company. The company manufactures and sells metal and composite bicycles to North American, European and Asian commercial markets.</a:t>
+            </a:r>
+            <a:endParaRPr dirty="0"/>
           </a:p>
         </p:txBody>
       </p:sp>
@@ -3360,8 +3030,8 @@
         </p:nvSpPr>
         <p:spPr bwMode="white">
           <a:xfrm>
-            <a:off x="675894" y="3429000"/>
-            <a:ext cx="5561330" cy="1477264"/>
+            <a:off x="665670" y="3168461"/>
+            <a:ext cx="5561330" cy="1754326"/>
           </a:xfrm>
           <a:prstGeom prst="rect">
             <a:avLst/>
@@ -3381,16 +3051,16 @@
               <a:buAutoNum type="arabicPeriod"/>
             </a:pPr>
             <a:r>
-              <a:rPr dirty="0"/>
-              <a:t>The company </a:t>
-            </a:r>
-            <a:r>
-              <a:rPr lang="en-US" dirty="0"/>
-              <a:t>product </a:t>
-            </a:r>
-            <a:r>
-              <a:rPr dirty="0"/>
-              <a:t>acquired the MCY corporation for 20 billion dollars and became the top revenue maker for the year 2015.</a:t>
+              <a:rPr lang="en-US" dirty="0"/>
+              <a:t>In 2000, Adventure Works Cycles bought a small manufacturing plant, </a:t>
+            </a:r>
+            <a:r>
+              <a:rPr lang="en-US" dirty="0" err="1"/>
+              <a:t>Importadores</a:t>
+            </a:r>
+            <a:r>
+              <a:rPr lang="en-US" dirty="0"/>
+              <a:t> Neptuno, located in Mexico.</a:t>
             </a:r>
           </a:p>
           <a:p>
@@ -3398,43 +3068,16 @@
               <a:buAutoNum type="arabicPeriod"/>
             </a:pPr>
             <a:r>
-              <a:rPr dirty="0"/>
-              <a:t>The company is participating in top open source projects in automation industry.</a:t>
-            </a:r>
-          </a:p>
-        </p:txBody>
-      </p:sp>
-      <p:pic>
-        <p:nvPicPr>
-          <p:cNvPr id="5" name="Picture 5"/>
-          <p:cNvPicPr>
-            <a:picLocks noChangeAspect="1"/>
-          </p:cNvPicPr>
-          <p:nvPr/>
-        </p:nvPicPr>
-        <p:blipFill>
-          <a:blip r:embed="rId2">
-            <a:lum/>
-          </a:blip>
-          <a:srcRect/>
-          <a:stretch>
-            <a:fillRect/>
-          </a:stretch>
-        </p:blipFill>
-        <p:spPr bwMode="white">
-          <a:xfrm>
-            <a:off x="6347333" y="3030093"/>
-            <a:ext cx="4629658" cy="2440432"/>
-          </a:xfrm>
-          <a:prstGeom prst="rect">
-            <a:avLst/>
-          </a:prstGeom>
-          <a:ln>
-            <a:headEnd type="none"/>
-            <a:tailEnd type="none"/>
-          </a:ln>
-        </p:spPr>
-      </p:pic>
+              <a:rPr lang="en-US" dirty="0" err="1"/>
+              <a:t>Importadores</a:t>
+            </a:r>
+            <a:r>
+              <a:rPr lang="en-US" dirty="0"/>
+              <a:t> Neptuno manufactures several critical subcomponents for the Adventure Works Cycles product line.</a:t>
+            </a:r>
+          </a:p>
+        </p:txBody>
+      </p:sp>
       <p:sp>
         <p:nvSpPr>
           <p:cNvPr id="6" name="Explosion16"/>
@@ -3479,12 +3122,49 @@
           <a:p>
             <a:pPr algn="ctr" defTabSz="914400"/>
             <a:r>
-              <a:rPr dirty="0"/>
-              <a:t>IMN</a:t>
-            </a:r>
-          </a:p>
-        </p:txBody>
-      </p:sp>
+              <a:rPr lang="en-US" dirty="0"/>
+              <a:t>Cycle</a:t>
+            </a:r>
+            <a:endParaRPr dirty="0"/>
+          </a:p>
+        </p:txBody>
+      </p:sp>
+      <p:pic>
+        <p:nvPicPr>
+          <p:cNvPr id="8" name="Picture 7" descr="A logo for a bicycle company&#10;&#10;Description automatically generated">
+            <a:extLst>
+              <a:ext uri="{FF2B5EF4-FFF2-40B4-BE49-F238E27FC236}">
+                <a16:creationId xmlns:a16="http://schemas.microsoft.com/office/drawing/2014/main" id="{7D528FB7-9299-621A-DD22-05EC4B5579B7}"/>
+              </a:ext>
+            </a:extLst>
+          </p:cNvPr>
+          <p:cNvPicPr>
+            <a:picLocks noChangeAspect="1"/>
+          </p:cNvPicPr>
+          <p:nvPr/>
+        </p:nvPicPr>
+        <p:blipFill>
+          <a:blip r:embed="rId2">
+            <a:extLst>
+              <a:ext uri="{28A0092B-C50C-407E-A947-70E740481C1C}">
+                <a14:useLocalDpi xmlns:a14="http://schemas.microsoft.com/office/drawing/2010/main" val="0"/>
+              </a:ext>
+            </a:extLst>
+          </a:blip>
+          <a:stretch>
+            <a:fillRect/>
+          </a:stretch>
+        </p:blipFill>
+        <p:spPr>
+          <a:xfrm>
+            <a:off x="6801492" y="3310544"/>
+            <a:ext cx="4552308" cy="1470161"/>
+          </a:xfrm>
+          <a:prstGeom prst="rect">
+            <a:avLst/>
+          </a:prstGeom>
+        </p:spPr>
+      </p:pic>
     </p:spTree>
   </p:cSld>
   <p:clrMapOvr>
@@ -3522,233 +3202,6 @@
         </p:nvSpPr>
         <p:spPr bwMode="white">
           <a:xfrm>
-            <a:off x="704088" y="292608"/>
-            <a:ext cx="7278624" cy="905256"/>
-          </a:xfrm>
-          <a:ln>
-            <a:headEnd type="none"/>
-            <a:tailEnd type="none"/>
-          </a:ln>
-        </p:spPr>
-        <p:txBody>
-          <a:bodyPr wrap="square"/>
-          <a:lstStyle/>
-          <a:p>
-            <a:pPr algn="l" defTabSz="914400"/>
-            <a:r>
-              <a:rPr lang="en-US" sz="4000" dirty="0">
-                <a:latin typeface="Helvetica CE 35 Thin"/>
-                <a:ea typeface="Helvetica CE 35 Thin"/>
-                <a:cs typeface="Helvetica CE 35 Thin"/>
-              </a:rPr>
-              <a:t>Product Overview</a:t>
-            </a:r>
-            <a:endParaRPr sz="4000" dirty="0">
-              <a:latin typeface="Helvetica CE 35 Thin"/>
-              <a:ea typeface="Helvetica CE 35 Thin"/>
-              <a:cs typeface="Helvetica CE 35 Thin"/>
-            </a:endParaRPr>
-          </a:p>
-        </p:txBody>
-      </p:sp>
-      <p:sp>
-        <p:nvSpPr>
-          <p:cNvPr id="3" name="Text Placeholder 2"/>
-          <p:cNvSpPr>
-            <a:spLocks noGrp="1"/>
-          </p:cNvSpPr>
-          <p:nvPr>
-            <p:ph type="body" idx="1"/>
-          </p:nvPr>
-        </p:nvSpPr>
-        <p:spPr bwMode="white">
-          <a:xfrm>
-            <a:off x="1106424" y="1517904"/>
-            <a:ext cx="9217152" cy="4507992"/>
-          </a:xfrm>
-          <a:ln>
-            <a:headEnd type="none"/>
-            <a:tailEnd type="none"/>
-          </a:ln>
-        </p:spPr>
-        <p:txBody>
-          <a:bodyPr wrap="square">
-            <a:normAutofit/>
-          </a:bodyPr>
-          <a:lstStyle/>
-          <a:p>
-            <a:pPr marL="285750" indent="-285750" algn="l" defTabSz="914400">
-              <a:buFont typeface="Arial"/>
-              <a:buChar char="•"/>
-            </a:pPr>
-            <a:r>
-              <a:rPr lang="en-US" sz="1800" dirty="0">
-                <a:solidFill>
-                  <a:srgbClr val="000000"/>
-                </a:solidFill>
-                <a:latin typeface="Calibri (Body)"/>
-                <a:ea typeface="Calibri (Body)"/>
-                <a:cs typeface="Calibri (Body)"/>
-              </a:rPr>
-              <a:t>Adventure Works Cycles, the fictitious company on which the Adventure Works sample databases are based, is a large, multinational manufacturing company. </a:t>
-            </a:r>
-          </a:p>
-          <a:p>
-            <a:pPr marL="285750" indent="-285750" algn="l" defTabSz="914400">
-              <a:buFont typeface="Arial"/>
-              <a:buChar char="•"/>
-            </a:pPr>
-            <a:r>
-              <a:rPr lang="en-US" sz="1800" dirty="0">
-                <a:solidFill>
-                  <a:srgbClr val="000000"/>
-                </a:solidFill>
-                <a:latin typeface="Calibri (Body)"/>
-                <a:ea typeface="Calibri (Body)"/>
-                <a:cs typeface="Calibri (Body)"/>
-              </a:rPr>
-              <a:t>The company manufactures and sells metal and composite bicycles to North American, European and Asian commercial markets. While its base operation is located in Bothell, Washington with 290 employees, several regional sales teams are located throughout their market base.</a:t>
-            </a:r>
-          </a:p>
-          <a:p>
-            <a:pPr marL="285750" indent="-285750" algn="l" defTabSz="914400">
-              <a:buFont typeface="Arial"/>
-              <a:buChar char="•"/>
-            </a:pPr>
-            <a:r>
-              <a:rPr lang="en-US" sz="1800" dirty="0">
-                <a:solidFill>
-                  <a:srgbClr val="000000"/>
-                </a:solidFill>
-                <a:latin typeface="Calibri (Body)"/>
-                <a:ea typeface="Calibri (Body)"/>
-                <a:cs typeface="Calibri (Body)"/>
-              </a:rPr>
-              <a:t>In 2000, Adventure Works Cycles bought a small manufacturing plant, </a:t>
-            </a:r>
-            <a:r>
-              <a:rPr lang="en-US" sz="1800" dirty="0">
-                <a:solidFill>
-                  <a:srgbClr val="000000"/>
-                </a:solidFill>
-                <a:latin typeface="Calibri (Body)"/>
-                <a:ea typeface="Calibri (Body)"/>
-                <a:cs typeface="Calibri (Body)"/>
-              </a:rPr>
-              <a:t>Importadores</a:t>
-            </a:r>
-            <a:r>
-              <a:rPr lang="en-US" sz="1800" dirty="0">
-                <a:solidFill>
-                  <a:srgbClr val="000000"/>
-                </a:solidFill>
-                <a:latin typeface="Calibri (Body)"/>
-                <a:ea typeface="Calibri (Body)"/>
-                <a:cs typeface="Calibri (Body)"/>
-              </a:rPr>
-              <a:t> Neptuno, located in Mexico. </a:t>
-            </a:r>
-            <a:r>
-              <a:rPr lang="en-US" sz="1800" dirty="0">
-                <a:solidFill>
-                  <a:srgbClr val="000000"/>
-                </a:solidFill>
-                <a:latin typeface="Calibri (Body)"/>
-                <a:ea typeface="Calibri (Body)"/>
-                <a:cs typeface="Calibri (Body)"/>
-              </a:rPr>
-              <a:t>Importadores</a:t>
-            </a:r>
-            <a:r>
-              <a:rPr lang="en-US" sz="1800" dirty="0">
-                <a:solidFill>
-                  <a:srgbClr val="000000"/>
-                </a:solidFill>
-                <a:latin typeface="Calibri (Body)"/>
-                <a:ea typeface="Calibri (Body)"/>
-                <a:cs typeface="Calibri (Body)"/>
-              </a:rPr>
-              <a:t> Neptuno manufactures several critical subcomponents for the Adventure Works Cycles production line. </a:t>
-            </a:r>
-          </a:p>
-          <a:p>
-            <a:pPr marL="285750" indent="-285750" algn="l" defTabSz="914400">
-              <a:buFont typeface="Arial"/>
-              <a:buChar char="•"/>
-            </a:pPr>
-            <a:r>
-              <a:rPr lang="en-US" sz="1800" dirty="0">
-                <a:solidFill>
-                  <a:srgbClr val="000000"/>
-                </a:solidFill>
-                <a:latin typeface="Calibri (Body)"/>
-                <a:ea typeface="Calibri (Body)"/>
-                <a:cs typeface="Calibri (Body)"/>
-              </a:rPr>
-              <a:t>These subcomponents are shipped to the Bothell location for final product assembly. In 2001, </a:t>
-            </a:r>
-            <a:r>
-              <a:rPr lang="en-US" sz="1800" dirty="0">
-                <a:solidFill>
-                  <a:srgbClr val="000000"/>
-                </a:solidFill>
-                <a:latin typeface="Calibri (Body)"/>
-                <a:ea typeface="Calibri (Body)"/>
-                <a:cs typeface="Calibri (Body)"/>
-              </a:rPr>
-              <a:t>Importadores</a:t>
-            </a:r>
-            <a:r>
-              <a:rPr lang="en-US" sz="1800" dirty="0">
-                <a:solidFill>
-                  <a:srgbClr val="000000"/>
-                </a:solidFill>
-                <a:latin typeface="Calibri (Body)"/>
-                <a:ea typeface="Calibri (Body)"/>
-                <a:cs typeface="Calibri (Body)"/>
-              </a:rPr>
-              <a:t> Neptuno, became the sole manufacturer and distributor of the touring bicycle productivity group.</a:t>
-            </a:r>
-          </a:p>
-        </p:txBody>
-      </p:sp>
-    </p:spTree>
-  </p:cSld>
-  <p:clrMapOvr>
-    <a:masterClrMapping/>
-  </p:clrMapOvr>
-</p:sld>
-</file>
-
-<file path=ppt/slides/slide3.xml><?xml version="1.0" encoding="utf-8"?>
-<p:sld xmlns:a="http://schemas.openxmlformats.org/drawingml/2006/main" xmlns:r="http://schemas.openxmlformats.org/officeDocument/2006/relationships" xmlns:p="http://schemas.openxmlformats.org/presentationml/2006/main">
-  <p:cSld>
-    <p:spTree>
-      <p:nvGrpSpPr>
-        <p:cNvPr id="1" name=""/>
-        <p:cNvGrpSpPr/>
-        <p:nvPr/>
-      </p:nvGrpSpPr>
-      <p:grpSpPr>
-        <a:xfrm>
-          <a:off x="0" y="0"/>
-          <a:ext cx="0" cy="0"/>
-          <a:chOff x="0" y="0"/>
-          <a:chExt cx="0" cy="0"/>
-        </a:xfrm>
-      </p:grpSpPr>
-      <p:sp>
-        <p:nvSpPr>
-          <p:cNvPr id="2" name="Title 1"/>
-          <p:cNvSpPr>
-            <a:spLocks noGrp="1"/>
-          </p:cNvSpPr>
-          <p:nvPr>
-            <p:ph type="title"/>
-          </p:nvPr>
-        </p:nvSpPr>
-        <p:spPr bwMode="white">
-          <a:xfrm>
             <a:off x="1069848" y="0"/>
             <a:ext cx="10058400" cy="1609344"/>
           </a:xfrm>
@@ -3800,15 +3253,69 @@
                 <a:tableStyleId>{93296810-A885-4BE3-A3E7-6D5BEEA58F35}</a:tableStyleId>
               </a:tblPr>
               <a:tblGrid>
-                <a:gridCol w="1206500"/>
-                <a:gridCol w="1206500"/>
-                <a:gridCol w="1206500"/>
-                <a:gridCol w="1206500"/>
-                <a:gridCol w="1206500"/>
-                <a:gridCol w="1206500"/>
-                <a:gridCol w="1206500"/>
-                <a:gridCol w="1206500"/>
-                <a:gridCol w="1206500"/>
+                <a:gridCol w="1206500">
+                  <a:extLst>
+                    <a:ext uri="{9D8B030D-6E8A-4147-A177-3AD203B41FA5}">
+                      <a16:colId xmlns:a16="http://schemas.microsoft.com/office/drawing/2014/main" val="20000"/>
+                    </a:ext>
+                  </a:extLst>
+                </a:gridCol>
+                <a:gridCol w="1206500">
+                  <a:extLst>
+                    <a:ext uri="{9D8B030D-6E8A-4147-A177-3AD203B41FA5}">
+                      <a16:colId xmlns:a16="http://schemas.microsoft.com/office/drawing/2014/main" val="20001"/>
+                    </a:ext>
+                  </a:extLst>
+                </a:gridCol>
+                <a:gridCol w="1206500">
+                  <a:extLst>
+                    <a:ext uri="{9D8B030D-6E8A-4147-A177-3AD203B41FA5}">
+                      <a16:colId xmlns:a16="http://schemas.microsoft.com/office/drawing/2014/main" val="20002"/>
+                    </a:ext>
+                  </a:extLst>
+                </a:gridCol>
+                <a:gridCol w="1206500">
+                  <a:extLst>
+                    <a:ext uri="{9D8B030D-6E8A-4147-A177-3AD203B41FA5}">
+                      <a16:colId xmlns:a16="http://schemas.microsoft.com/office/drawing/2014/main" val="20003"/>
+                    </a:ext>
+                  </a:extLst>
+                </a:gridCol>
+                <a:gridCol w="1206500">
+                  <a:extLst>
+                    <a:ext uri="{9D8B030D-6E8A-4147-A177-3AD203B41FA5}">
+                      <a16:colId xmlns:a16="http://schemas.microsoft.com/office/drawing/2014/main" val="20004"/>
+                    </a:ext>
+                  </a:extLst>
+                </a:gridCol>
+                <a:gridCol w="1206500">
+                  <a:extLst>
+                    <a:ext uri="{9D8B030D-6E8A-4147-A177-3AD203B41FA5}">
+                      <a16:colId xmlns:a16="http://schemas.microsoft.com/office/drawing/2014/main" val="20005"/>
+                    </a:ext>
+                  </a:extLst>
+                </a:gridCol>
+                <a:gridCol w="1206500">
+                  <a:extLst>
+                    <a:ext uri="{9D8B030D-6E8A-4147-A177-3AD203B41FA5}">
+                      <a16:colId xmlns:a16="http://schemas.microsoft.com/office/drawing/2014/main" val="20006"/>
+                    </a:ext>
+                  </a:extLst>
+                </a:gridCol>
+                <a:gridCol w="1206500">
+                  <a:extLst>
+                    <a:ext uri="{9D8B030D-6E8A-4147-A177-3AD203B41FA5}">
+                      <a16:colId xmlns:a16="http://schemas.microsoft.com/office/drawing/2014/main" val="20007"/>
+                    </a:ext>
+                  </a:extLst>
+                </a:gridCol>
+                <a:gridCol w="1206500">
+                  <a:extLst>
+                    <a:ext uri="{9D8B030D-6E8A-4147-A177-3AD203B41FA5}">
+                      <a16:colId xmlns:a16="http://schemas.microsoft.com/office/drawing/2014/main" val="20008"/>
+                    </a:ext>
+                  </a:extLst>
+                </a:gridCol>
               </a:tblGrid>
               <a:tr h="968800">
                 <a:tc>
@@ -3955,6 +3462,11 @@
                   </a:txBody>
                   <a:tcPr anchor="ctr" horzOverflow="overflow"/>
                 </a:tc>
+                <a:extLst>
+                  <a:ext uri="{0D108BD9-81ED-4DB2-BD59-A6C34878D82A}">
+                    <a16:rowId xmlns:a16="http://schemas.microsoft.com/office/drawing/2014/main" val="10000"/>
+                  </a:ext>
+                </a:extLst>
               </a:tr>
               <a:tr h="440147">
                 <a:tc>
@@ -4101,6 +3613,11 @@
                   </a:txBody>
                   <a:tcPr horzOverflow="overflow"/>
                 </a:tc>
+                <a:extLst>
+                  <a:ext uri="{0D108BD9-81ED-4DB2-BD59-A6C34878D82A}">
+                    <a16:rowId xmlns:a16="http://schemas.microsoft.com/office/drawing/2014/main" val="10001"/>
+                  </a:ext>
+                </a:extLst>
               </a:tr>
               <a:tr h="440147">
                 <a:tc>
@@ -4247,6 +3764,11 @@
                   </a:txBody>
                   <a:tcPr horzOverflow="overflow"/>
                 </a:tc>
+                <a:extLst>
+                  <a:ext uri="{0D108BD9-81ED-4DB2-BD59-A6C34878D82A}">
+                    <a16:rowId xmlns:a16="http://schemas.microsoft.com/office/drawing/2014/main" val="10002"/>
+                  </a:ext>
+                </a:extLst>
               </a:tr>
               <a:tr h="440147">
                 <a:tc>
@@ -4393,6 +3915,11 @@
                   </a:txBody>
                   <a:tcPr horzOverflow="overflow"/>
                 </a:tc>
+                <a:extLst>
+                  <a:ext uri="{0D108BD9-81ED-4DB2-BD59-A6C34878D82A}">
+                    <a16:rowId xmlns:a16="http://schemas.microsoft.com/office/drawing/2014/main" val="10003"/>
+                  </a:ext>
+                </a:extLst>
               </a:tr>
               <a:tr h="440147">
                 <a:tc>
@@ -4539,6 +4066,11 @@
                   </a:txBody>
                   <a:tcPr horzOverflow="overflow"/>
                 </a:tc>
+                <a:extLst>
+                  <a:ext uri="{0D108BD9-81ED-4DB2-BD59-A6C34878D82A}">
+                    <a16:rowId xmlns:a16="http://schemas.microsoft.com/office/drawing/2014/main" val="10004"/>
+                  </a:ext>
+                </a:extLst>
               </a:tr>
               <a:tr h="440147">
                 <a:tc>
@@ -4685,6 +4217,11 @@
                   </a:txBody>
                   <a:tcPr horzOverflow="overflow"/>
                 </a:tc>
+                <a:extLst>
+                  <a:ext uri="{0D108BD9-81ED-4DB2-BD59-A6C34878D82A}">
+                    <a16:rowId xmlns:a16="http://schemas.microsoft.com/office/drawing/2014/main" val="10005"/>
+                  </a:ext>
+                </a:extLst>
               </a:tr>
               <a:tr h="440147">
                 <a:tc>
@@ -4831,6 +4368,11 @@
                   </a:txBody>
                   <a:tcPr horzOverflow="overflow"/>
                 </a:tc>
+                <a:extLst>
+                  <a:ext uri="{0D108BD9-81ED-4DB2-BD59-A6C34878D82A}">
+                    <a16:rowId xmlns:a16="http://schemas.microsoft.com/office/drawing/2014/main" val="10006"/>
+                  </a:ext>
+                </a:extLst>
               </a:tr>
               <a:tr h="440147">
                 <a:tc>
@@ -4977,6 +4519,11 @@
                   </a:txBody>
                   <a:tcPr horzOverflow="overflow"/>
                 </a:tc>
+                <a:extLst>
+                  <a:ext uri="{0D108BD9-81ED-4DB2-BD59-A6C34878D82A}">
+                    <a16:rowId xmlns:a16="http://schemas.microsoft.com/office/drawing/2014/main" val="10007"/>
+                  </a:ext>
+                </a:extLst>
               </a:tr>
               <a:tr h="440147">
                 <a:tc>
@@ -5123,6 +4670,11 @@
                   </a:txBody>
                   <a:tcPr horzOverflow="overflow"/>
                 </a:tc>
+                <a:extLst>
+                  <a:ext uri="{0D108BD9-81ED-4DB2-BD59-A6C34878D82A}">
+                    <a16:rowId xmlns:a16="http://schemas.microsoft.com/office/drawing/2014/main" val="10008"/>
+                  </a:ext>
+                </a:extLst>
               </a:tr>
               <a:tr h="440147">
                 <a:tc>
@@ -5269,6 +4821,11 @@
                   </a:txBody>
                   <a:tcPr horzOverflow="overflow"/>
                 </a:tc>
+                <a:extLst>
+                  <a:ext uri="{0D108BD9-81ED-4DB2-BD59-A6C34878D82A}">
+                    <a16:rowId xmlns:a16="http://schemas.microsoft.com/office/drawing/2014/main" val="10009"/>
+                  </a:ext>
+                </a:extLst>
               </a:tr>
             </a:tbl>
           </a:graphicData>
@@ -5290,7 +4847,7 @@
         <a:srgbClr val="000000"/>
       </a:dk1>
       <a:lt1>
-        <a:srgbClr val="ffffff"/>
+        <a:srgbClr val="FFFFFF"/>
       </a:lt1>
       <a:dk2>
         <a:srgbClr val="44546A"/>
@@ -5573,5 +5130,7 @@
       </a:bgFillStyleLst>
     </a:fmtScheme>
   </a:themeElements>
+  <a:objectDefaults/>
+  <a:extraClrSchemeLst/>
 </a:theme>
 </file>